--- a/Documentação/Prática Extensionista.pptx
+++ b/Documentação/Prática Extensionista.pptx
@@ -267,7 +267,7 @@
           <a:p>
             <a:fld id="{786FD4EF-9BA1-4C84-8CE1-1361492AFBFB}" type="datetimeFigureOut">
               <a:rPr lang="pt-BR" smtClean="0"/>
-              <a:t>07/12/2023</a:t>
+              <a:t>08/12/2023</a:t>
             </a:fld>
             <a:endParaRPr lang="pt-BR"/>
           </a:p>
@@ -465,7 +465,7 @@
           <a:p>
             <a:fld id="{786FD4EF-9BA1-4C84-8CE1-1361492AFBFB}" type="datetimeFigureOut">
               <a:rPr lang="pt-BR" smtClean="0"/>
-              <a:t>07/12/2023</a:t>
+              <a:t>08/12/2023</a:t>
             </a:fld>
             <a:endParaRPr lang="pt-BR"/>
           </a:p>
@@ -673,7 +673,7 @@
           <a:p>
             <a:fld id="{786FD4EF-9BA1-4C84-8CE1-1361492AFBFB}" type="datetimeFigureOut">
               <a:rPr lang="pt-BR" smtClean="0"/>
-              <a:t>07/12/2023</a:t>
+              <a:t>08/12/2023</a:t>
             </a:fld>
             <a:endParaRPr lang="pt-BR"/>
           </a:p>
@@ -871,7 +871,7 @@
           <a:p>
             <a:fld id="{786FD4EF-9BA1-4C84-8CE1-1361492AFBFB}" type="datetimeFigureOut">
               <a:rPr lang="pt-BR" smtClean="0"/>
-              <a:t>07/12/2023</a:t>
+              <a:t>08/12/2023</a:t>
             </a:fld>
             <a:endParaRPr lang="pt-BR"/>
           </a:p>
@@ -1146,7 +1146,7 @@
           <a:p>
             <a:fld id="{786FD4EF-9BA1-4C84-8CE1-1361492AFBFB}" type="datetimeFigureOut">
               <a:rPr lang="pt-BR" smtClean="0"/>
-              <a:t>07/12/2023</a:t>
+              <a:t>08/12/2023</a:t>
             </a:fld>
             <a:endParaRPr lang="pt-BR"/>
           </a:p>
@@ -1411,7 +1411,7 @@
           <a:p>
             <a:fld id="{786FD4EF-9BA1-4C84-8CE1-1361492AFBFB}" type="datetimeFigureOut">
               <a:rPr lang="pt-BR" smtClean="0"/>
-              <a:t>07/12/2023</a:t>
+              <a:t>08/12/2023</a:t>
             </a:fld>
             <a:endParaRPr lang="pt-BR"/>
           </a:p>
@@ -1823,7 +1823,7 @@
           <a:p>
             <a:fld id="{786FD4EF-9BA1-4C84-8CE1-1361492AFBFB}" type="datetimeFigureOut">
               <a:rPr lang="pt-BR" smtClean="0"/>
-              <a:t>07/12/2023</a:t>
+              <a:t>08/12/2023</a:t>
             </a:fld>
             <a:endParaRPr lang="pt-BR"/>
           </a:p>
@@ -1964,7 +1964,7 @@
           <a:p>
             <a:fld id="{786FD4EF-9BA1-4C84-8CE1-1361492AFBFB}" type="datetimeFigureOut">
               <a:rPr lang="pt-BR" smtClean="0"/>
-              <a:t>07/12/2023</a:t>
+              <a:t>08/12/2023</a:t>
             </a:fld>
             <a:endParaRPr lang="pt-BR"/>
           </a:p>
@@ -2077,7 +2077,7 @@
           <a:p>
             <a:fld id="{786FD4EF-9BA1-4C84-8CE1-1361492AFBFB}" type="datetimeFigureOut">
               <a:rPr lang="pt-BR" smtClean="0"/>
-              <a:t>07/12/2023</a:t>
+              <a:t>08/12/2023</a:t>
             </a:fld>
             <a:endParaRPr lang="pt-BR"/>
           </a:p>
@@ -2388,7 +2388,7 @@
           <a:p>
             <a:fld id="{786FD4EF-9BA1-4C84-8CE1-1361492AFBFB}" type="datetimeFigureOut">
               <a:rPr lang="pt-BR" smtClean="0"/>
-              <a:t>07/12/2023</a:t>
+              <a:t>08/12/2023</a:t>
             </a:fld>
             <a:endParaRPr lang="pt-BR"/>
           </a:p>
@@ -2676,7 +2676,7 @@
           <a:p>
             <a:fld id="{786FD4EF-9BA1-4C84-8CE1-1361492AFBFB}" type="datetimeFigureOut">
               <a:rPr lang="pt-BR" smtClean="0"/>
-              <a:t>07/12/2023</a:t>
+              <a:t>08/12/2023</a:t>
             </a:fld>
             <a:endParaRPr lang="pt-BR"/>
           </a:p>
@@ -2917,7 +2917,7 @@
           <a:p>
             <a:fld id="{786FD4EF-9BA1-4C84-8CE1-1361492AFBFB}" type="datetimeFigureOut">
               <a:rPr lang="pt-BR" smtClean="0"/>
-              <a:t>07/12/2023</a:t>
+              <a:t>08/12/2023</a:t>
             </a:fld>
             <a:endParaRPr lang="pt-BR"/>
           </a:p>
@@ -3320,6 +3320,20 @@
 <file path=ppt/slides/slide1.xml><?xml version="1.0" encoding="utf-8"?>
 <p:sld xmlns:a="http://schemas.openxmlformats.org/drawingml/2006/main" xmlns:r="http://schemas.openxmlformats.org/officeDocument/2006/relationships" xmlns:p="http://schemas.openxmlformats.org/presentationml/2006/main">
   <p:cSld>
+    <p:bg>
+      <p:bgPr>
+        <a:blipFill dpi="0" rotWithShape="1">
+          <a:blip r:embed="rId2">
+            <a:lum/>
+          </a:blip>
+          <a:srcRect/>
+          <a:stretch>
+            <a:fillRect/>
+          </a:stretch>
+        </a:blipFill>
+        <a:effectLst/>
+      </p:bgPr>
+    </p:bg>
     <p:spTree>
       <p:nvGrpSpPr>
         <p:cNvPr id="1" name=""/>
@@ -3630,47 +3644,6 @@
           </a:p>
         </p:txBody>
       </p:sp>
-      <p:pic>
-        <p:nvPicPr>
-          <p:cNvPr id="10" name="Imagem 9" descr="Baixe o e-book de Guia completo de pós-graduações Unianchieta">
-            <a:extLst>
-              <a:ext uri="{FF2B5EF4-FFF2-40B4-BE49-F238E27FC236}">
-                <a16:creationId xmlns:a16="http://schemas.microsoft.com/office/drawing/2014/main" id="{4794B192-51EC-3140-569C-DC94D8CB8645}"/>
-              </a:ext>
-            </a:extLst>
-          </p:cNvPr>
-          <p:cNvPicPr>
-            <a:picLocks noChangeAspect="1"/>
-          </p:cNvPicPr>
-          <p:nvPr/>
-        </p:nvPicPr>
-        <p:blipFill>
-          <a:blip r:embed="rId2" cstate="print">
-            <a:extLst>
-              <a:ext uri="{28A0092B-C50C-407E-A947-70E740481C1C}">
-                <a14:useLocalDpi xmlns:a14="http://schemas.microsoft.com/office/drawing/2010/main" val="0"/>
-              </a:ext>
-            </a:extLst>
-          </a:blip>
-          <a:srcRect/>
-          <a:stretch>
-            <a:fillRect/>
-          </a:stretch>
-        </p:blipFill>
-        <p:spPr bwMode="auto">
-          <a:xfrm>
-            <a:off x="1552729" y="5079294"/>
-            <a:ext cx="4038920" cy="1248034"/>
-          </a:xfrm>
-          <a:prstGeom prst="rect">
-            <a:avLst/>
-          </a:prstGeom>
-          <a:noFill/>
-          <a:ln>
-            <a:noFill/>
-          </a:ln>
-        </p:spPr>
-      </p:pic>
       <p:sp>
         <p:nvSpPr>
           <p:cNvPr id="11" name="Retângulo 7">
@@ -3830,7 +3803,7 @@
         <p:spPr>
           <a:xfrm>
             <a:off x="1582057" y="515256"/>
-            <a:ext cx="9922326" cy="1380121"/>
+            <a:ext cx="9922326" cy="1826782"/>
           </a:xfrm>
           <a:prstGeom prst="rect">
             <a:avLst/>
@@ -3863,7 +3836,29 @@
               </a:rPr>
               <a:t>ALGORITMO GENÉTICO NO BALANCEAMENTO NUTRICIONAL</a:t>
             </a:r>
-            <a:endParaRPr lang="pt-BR" sz="1600" dirty="0">
+          </a:p>
+          <a:p>
+            <a:pPr algn="r">
+              <a:lnSpc>
+                <a:spcPct val="107000"/>
+              </a:lnSpc>
+              <a:spcAft>
+                <a:spcPts val="800"/>
+              </a:spcAft>
+            </a:pPr>
+            <a:r>
+              <a:rPr lang="pt-BR" sz="2000" b="1" dirty="0">
+                <a:solidFill>
+                  <a:srgbClr val="614AEB"/>
+                </a:solidFill>
+                <a:effectLst/>
+                <a:latin typeface="Arial Black" panose="020B0A04020102020204" pitchFamily="34" charset="0"/>
+                <a:ea typeface="Calibri" panose="020F0502020204030204" pitchFamily="34" charset="0"/>
+                <a:cs typeface="Times New Roman" panose="02020603050405020304" pitchFamily="18" charset="0"/>
+              </a:rPr>
+              <a:t>PROGRAMAÇÃO BIOINSPIRADA</a:t>
+            </a:r>
+            <a:endParaRPr lang="pt-BR" sz="1000" dirty="0">
               <a:solidFill>
                 <a:srgbClr val="614AEB"/>
               </a:solidFill>
@@ -4166,10 +4161,10 @@
       </p:sp>
       <p:pic>
         <p:nvPicPr>
-          <p:cNvPr id="6" name="Imagem 5" descr="Baixe o e-book de Guia completo de pós-graduações Unianchieta">
-            <a:extLst>
-              <a:ext uri="{FF2B5EF4-FFF2-40B4-BE49-F238E27FC236}">
-                <a16:creationId xmlns:a16="http://schemas.microsoft.com/office/drawing/2014/main" id="{D7C0E1F9-40A2-245D-5BCB-2045ED3BDDAB}"/>
+          <p:cNvPr id="4" name="Imagem 3">
+            <a:extLst>
+              <a:ext uri="{FF2B5EF4-FFF2-40B4-BE49-F238E27FC236}">
+                <a16:creationId xmlns:a16="http://schemas.microsoft.com/office/drawing/2014/main" id="{0AE58C79-FE40-6566-7A8E-4505F73B4841}"/>
               </a:ext>
             </a:extLst>
           </p:cNvPr>
@@ -4179,7 +4174,43 @@
           <p:nvPr/>
         </p:nvPicPr>
         <p:blipFill>
-          <a:blip r:embed="rId2" cstate="print">
+          <a:blip r:embed="rId3">
+            <a:extLst>
+              <a:ext uri="{28A0092B-C50C-407E-A947-70E740481C1C}">
+                <a14:useLocalDpi xmlns:a14="http://schemas.microsoft.com/office/drawing/2010/main" val="0"/>
+              </a:ext>
+            </a:extLst>
+          </a:blip>
+          <a:stretch>
+            <a:fillRect/>
+          </a:stretch>
+        </p:blipFill>
+        <p:spPr>
+          <a:xfrm>
+            <a:off x="1373264" y="2534262"/>
+            <a:ext cx="4055533" cy="4055533"/>
+          </a:xfrm>
+          <a:prstGeom prst="rect">
+            <a:avLst/>
+          </a:prstGeom>
+        </p:spPr>
+      </p:pic>
+      <p:pic>
+        <p:nvPicPr>
+          <p:cNvPr id="10" name="Imagem 9" descr="Baixe o e-book de Guia completo de pós-graduações Unianchieta">
+            <a:extLst>
+              <a:ext uri="{FF2B5EF4-FFF2-40B4-BE49-F238E27FC236}">
+                <a16:creationId xmlns:a16="http://schemas.microsoft.com/office/drawing/2014/main" id="{4794B192-51EC-3140-569C-DC94D8CB8645}"/>
+              </a:ext>
+            </a:extLst>
+          </p:cNvPr>
+          <p:cNvPicPr>
+            <a:picLocks noChangeAspect="1"/>
+          </p:cNvPicPr>
+          <p:nvPr/>
+        </p:nvPicPr>
+        <p:blipFill>
+          <a:blip r:embed="rId4" cstate="print">
             <a:extLst>
               <a:ext uri="{28A0092B-C50C-407E-A947-70E740481C1C}">
                 <a14:useLocalDpi xmlns:a14="http://schemas.microsoft.com/office/drawing/2010/main" val="0"/>
@@ -4193,8 +4224,8 @@
         </p:blipFill>
         <p:spPr bwMode="auto">
           <a:xfrm>
-            <a:off x="1574347" y="5094710"/>
-            <a:ext cx="4038920" cy="1248034"/>
+            <a:off x="113396" y="69079"/>
+            <a:ext cx="2333471" cy="721047"/>
           </a:xfrm>
           <a:prstGeom prst="rect">
             <a:avLst/>
@@ -4263,8 +4294,8 @@
         </p:nvSpPr>
         <p:spPr>
           <a:xfrm>
-            <a:off x="6610349" y="2506960"/>
-            <a:ext cx="5086351" cy="2677656"/>
+            <a:off x="6610349" y="2291516"/>
+            <a:ext cx="5086351" cy="3108543"/>
           </a:xfrm>
           <a:prstGeom prst="rect">
             <a:avLst/>
@@ -4280,7 +4311,18 @@
             <a:pPr algn="ctr"/>
             <a:r>
               <a:rPr lang="pt-BR" altLang="pt-BR" sz="2800" dirty="0"/>
-              <a:t>Nossa proposta visa melhorar a qualidade de vida por meio de escolhas alimentares inteligentes. Apresentamos o uso inovador do Algoritmo Genético no balanceamento nutricional.</a:t>
+              <a:t>Nossa proposta visa melhorar a qualidade de vida por meio de escolhas alimentares inteligentes.</a:t>
+            </a:r>
+          </a:p>
+          <a:p>
+            <a:pPr algn="ctr"/>
+            <a:endParaRPr lang="pt-BR" altLang="pt-BR" sz="2800" dirty="0"/>
+          </a:p>
+          <a:p>
+            <a:pPr algn="ctr"/>
+            <a:r>
+              <a:rPr lang="pt-BR" altLang="pt-BR" sz="2800" dirty="0"/>
+              <a:t>Apresentamos o uso inovador do Algoritmo Genético no balanceamento nutricional.</a:t>
             </a:r>
           </a:p>
         </p:txBody>
@@ -4359,7 +4401,7 @@
         </p:nvSpPr>
         <p:spPr>
           <a:xfrm>
-            <a:off x="685800" y="1930107"/>
+            <a:off x="685800" y="1872957"/>
             <a:ext cx="5600700" cy="3831362"/>
           </a:xfrm>
           <a:prstGeom prst="rect">
@@ -4445,6 +4487,77 @@
           <a:ln>
             <a:noFill/>
           </a:ln>
+        </p:spPr>
+      </p:pic>
+      <p:pic>
+        <p:nvPicPr>
+          <p:cNvPr id="6" name="Imagem 5">
+            <a:extLst>
+              <a:ext uri="{FF2B5EF4-FFF2-40B4-BE49-F238E27FC236}">
+                <a16:creationId xmlns:a16="http://schemas.microsoft.com/office/drawing/2014/main" id="{F18BB1CF-9D4F-0908-31E2-F897DF5DC40D}"/>
+              </a:ext>
+            </a:extLst>
+          </p:cNvPr>
+          <p:cNvPicPr>
+            <a:picLocks noChangeAspect="1"/>
+          </p:cNvPicPr>
+          <p:nvPr/>
+        </p:nvPicPr>
+        <p:blipFill rotWithShape="1">
+          <a:blip r:embed="rId4">
+            <a:extLst>
+              <a:ext uri="{28A0092B-C50C-407E-A947-70E740481C1C}">
+                <a14:useLocalDpi xmlns:a14="http://schemas.microsoft.com/office/drawing/2010/main" val="0"/>
+              </a:ext>
+            </a:extLst>
+          </a:blip>
+          <a:srcRect t="18027" b="13564"/>
+          <a:stretch/>
+        </p:blipFill>
+        <p:spPr>
+          <a:xfrm>
+            <a:off x="685800" y="1872957"/>
+            <a:ext cx="5600700" cy="3831362"/>
+          </a:xfrm>
+          <a:prstGeom prst="rect">
+            <a:avLst/>
+          </a:prstGeom>
+        </p:spPr>
+      </p:pic>
+      <p:pic>
+        <p:nvPicPr>
+          <p:cNvPr id="8" name="Imagem 7">
+            <a:extLst>
+              <a:ext uri="{FF2B5EF4-FFF2-40B4-BE49-F238E27FC236}">
+                <a16:creationId xmlns:a16="http://schemas.microsoft.com/office/drawing/2014/main" id="{83A25891-6C0C-FE34-7CB6-A2D123D98EC9}"/>
+              </a:ext>
+            </a:extLst>
+          </p:cNvPr>
+          <p:cNvPicPr>
+            <a:picLocks noChangeAspect="1"/>
+          </p:cNvPicPr>
+          <p:nvPr/>
+        </p:nvPicPr>
+        <p:blipFill>
+          <a:blip r:embed="rId5">
+            <a:extLst>
+              <a:ext uri="{28A0092B-C50C-407E-A947-70E740481C1C}">
+                <a14:useLocalDpi xmlns:a14="http://schemas.microsoft.com/office/drawing/2010/main" val="0"/>
+              </a:ext>
+            </a:extLst>
+          </a:blip>
+          <a:stretch>
+            <a:fillRect/>
+          </a:stretch>
+        </p:blipFill>
+        <p:spPr>
+          <a:xfrm>
+            <a:off x="4799643" y="4272612"/>
+            <a:ext cx="1810706" cy="1810706"/>
+          </a:xfrm>
+          <a:prstGeom prst="rect">
+            <a:avLst/>
+          </a:prstGeom>
         </p:spPr>
       </p:pic>
     </p:spTree>
@@ -4505,8 +4618,8 @@
         </p:nvSpPr>
         <p:spPr>
           <a:xfrm>
-            <a:off x="466724" y="2506960"/>
-            <a:ext cx="5086351" cy="2677656"/>
+            <a:off x="466724" y="2291516"/>
+            <a:ext cx="5086351" cy="3108543"/>
           </a:xfrm>
           <a:prstGeom prst="rect">
             <a:avLst/>
@@ -4537,7 +4650,48 @@
             </a:pPr>
             <a:r>
               <a:rPr lang="pt-BR" altLang="pt-BR" sz="2800" dirty="0"/>
-              <a:t>O Algoritmo Genético é uma técnica inspirada na seleção natural, aplicada à otimização. Seus princípios são fundamentais para nossa abordagem no balanceamento nutricional.</a:t>
+              <a:t>O Algoritmo Genético é uma técnica inspirada na seleção natural, aplicada à otimização.</a:t>
+            </a:r>
+          </a:p>
+          <a:p>
+            <a:pPr marL="0" marR="0" lvl="0" indent="0" algn="ctr" defTabSz="914400" rtl="0" eaLnBrk="0" fontAlgn="base" latinLnBrk="0" hangingPunct="0">
+              <a:lnSpc>
+                <a:spcPct val="100000"/>
+              </a:lnSpc>
+              <a:spcBef>
+                <a:spcPct val="0"/>
+              </a:spcBef>
+              <a:spcAft>
+                <a:spcPct val="0"/>
+              </a:spcAft>
+              <a:buClrTx/>
+              <a:buSzTx/>
+              <a:buFontTx/>
+              <a:buNone/>
+              <a:tabLst/>
+            </a:pPr>
+            <a:endParaRPr lang="pt-BR" altLang="pt-BR" sz="2800" dirty="0"/>
+          </a:p>
+          <a:p>
+            <a:pPr marL="0" marR="0" lvl="0" indent="0" algn="ctr" defTabSz="914400" rtl="0" eaLnBrk="0" fontAlgn="base" latinLnBrk="0" hangingPunct="0">
+              <a:lnSpc>
+                <a:spcPct val="100000"/>
+              </a:lnSpc>
+              <a:spcBef>
+                <a:spcPct val="0"/>
+              </a:spcBef>
+              <a:spcAft>
+                <a:spcPct val="0"/>
+              </a:spcAft>
+              <a:buClrTx/>
+              <a:buSzTx/>
+              <a:buFontTx/>
+              <a:buNone/>
+              <a:tabLst/>
+            </a:pPr>
+            <a:r>
+              <a:rPr lang="pt-BR" altLang="pt-BR" sz="2800" dirty="0"/>
+              <a:t>Seus princípios são fundamentais para nossa abordagem no balanceamento nutricional.</a:t>
             </a:r>
           </a:p>
         </p:txBody>
@@ -4607,8 +4761,8 @@
         </p:nvSpPr>
         <p:spPr>
           <a:xfrm>
-            <a:off x="5972175" y="1930107"/>
-            <a:ext cx="5600700" cy="3831362"/>
+            <a:off x="6115050" y="2101557"/>
+            <a:ext cx="5184321" cy="3629025"/>
           </a:xfrm>
           <a:prstGeom prst="rect">
             <a:avLst/>
@@ -4695,6 +4849,88 @@
           </a:ln>
         </p:spPr>
       </p:pic>
+      <p:pic>
+        <p:nvPicPr>
+          <p:cNvPr id="1026" name="Picture 2" descr="Charles Darwin, ex-aluno de Cambridge e “pai” da teoria evolucionista">
+            <a:extLst>
+              <a:ext uri="{FF2B5EF4-FFF2-40B4-BE49-F238E27FC236}">
+                <a16:creationId xmlns:a16="http://schemas.microsoft.com/office/drawing/2014/main" id="{AEB9B50B-0852-63E8-FF4D-43A7A0644BCC}"/>
+              </a:ext>
+            </a:extLst>
+          </p:cNvPr>
+          <p:cNvPicPr>
+            <a:picLocks noChangeAspect="1" noChangeArrowheads="1"/>
+          </p:cNvPicPr>
+          <p:nvPr/>
+        </p:nvPicPr>
+        <p:blipFill>
+          <a:blip r:embed="rId4">
+            <a:extLst>
+              <a:ext uri="{28A0092B-C50C-407E-A947-70E740481C1C}">
+                <a14:useLocalDpi xmlns:a14="http://schemas.microsoft.com/office/drawing/2010/main" val="0"/>
+              </a:ext>
+            </a:extLst>
+          </a:blip>
+          <a:srcRect/>
+          <a:stretch>
+            <a:fillRect/>
+          </a:stretch>
+        </p:blipFill>
+        <p:spPr bwMode="auto">
+          <a:xfrm flipH="1">
+            <a:off x="6115050" y="2101557"/>
+            <a:ext cx="5186658" cy="3629025"/>
+          </a:xfrm>
+          <a:prstGeom prst="rect">
+            <a:avLst/>
+          </a:prstGeom>
+          <a:noFill/>
+          <a:extLst>
+            <a:ext uri="{909E8E84-426E-40DD-AFC4-6F175D3DCCD1}">
+              <a14:hiddenFill xmlns:a14="http://schemas.microsoft.com/office/drawing/2010/main">
+                <a:solidFill>
+                  <a:srgbClr val="FFFFFF"/>
+                </a:solidFill>
+              </a14:hiddenFill>
+            </a:ext>
+          </a:extLst>
+        </p:spPr>
+      </p:pic>
+      <p:sp>
+        <p:nvSpPr>
+          <p:cNvPr id="5" name="CaixaDeTexto 4">
+            <a:extLst>
+              <a:ext uri="{FF2B5EF4-FFF2-40B4-BE49-F238E27FC236}">
+                <a16:creationId xmlns:a16="http://schemas.microsoft.com/office/drawing/2014/main" id="{C7F06C61-7571-1CE7-F9C4-A5A1A144F0B6}"/>
+              </a:ext>
+            </a:extLst>
+          </p:cNvPr>
+          <p:cNvSpPr txBox="1"/>
+          <p:nvPr/>
+        </p:nvSpPr>
+        <p:spPr>
+          <a:xfrm>
+            <a:off x="6666331" y="5809634"/>
+            <a:ext cx="4081758" cy="307777"/>
+          </a:xfrm>
+          <a:prstGeom prst="rect">
+            <a:avLst/>
+          </a:prstGeom>
+          <a:noFill/>
+        </p:spPr>
+        <p:txBody>
+          <a:bodyPr wrap="none" rtlCol="0">
+            <a:spAutoFit/>
+          </a:bodyPr>
+          <a:lstStyle/>
+          <a:p>
+            <a:r>
+              <a:rPr lang="pt-BR" sz="1400" b="1" dirty="0"/>
+              <a:t>Charles Darwin, criador da teoria da seleção natural.</a:t>
+            </a:r>
+          </a:p>
+        </p:txBody>
+      </p:sp>
     </p:spTree>
     <p:extLst>
       <p:ext uri="{BB962C8B-B14F-4D97-AF65-F5344CB8AC3E}">
@@ -4753,8 +4989,8 @@
         </p:nvSpPr>
         <p:spPr>
           <a:xfrm>
-            <a:off x="583406" y="4758491"/>
-            <a:ext cx="11025189" cy="1384995"/>
+            <a:off x="425657" y="2433306"/>
+            <a:ext cx="3362666" cy="2677656"/>
           </a:xfrm>
           <a:prstGeom prst="rect">
             <a:avLst/>
@@ -4767,7 +5003,7 @@
           </a:bodyPr>
           <a:lstStyle/>
           <a:p>
-            <a:pPr marL="0" marR="0" lvl="0" indent="0" algn="ctr" defTabSz="914400" rtl="0" eaLnBrk="0" fontAlgn="base" latinLnBrk="0" hangingPunct="0">
+            <a:pPr marL="0" marR="0" lvl="0" indent="0" defTabSz="914400" rtl="0" eaLnBrk="0" fontAlgn="base" latinLnBrk="0" hangingPunct="0">
               <a:lnSpc>
                 <a:spcPct val="100000"/>
               </a:lnSpc>
@@ -4785,7 +5021,7 @@
             </a:pPr>
             <a:r>
               <a:rPr lang="pt-BR" altLang="pt-BR" sz="2800" dirty="0"/>
-              <a:t>Escolhemos o Algoritmo Genético pela sua adaptação a cenários complexos. O objetivo é criar um sistema que personalize o balanceamento nutricional de acordo com as preferências de cada usuário.</a:t>
+              <a:t>Optamos pelo Algoritmo Genético devido à sua capacidade de se adaptar a cenários complexos.</a:t>
             </a:r>
           </a:p>
         </p:txBody>
@@ -4855,8 +5091,8 @@
         </p:nvSpPr>
         <p:spPr>
           <a:xfrm>
-            <a:off x="2851774" y="1599040"/>
-            <a:ext cx="6488452" cy="2797146"/>
+            <a:off x="3919105" y="1746311"/>
+            <a:ext cx="3990109" cy="4048641"/>
           </a:xfrm>
           <a:prstGeom prst="rect">
             <a:avLst/>
@@ -4897,8 +5133,7 @@
           <a:bodyPr rtlCol="0" anchor="ctr"/>
           <a:lstStyle/>
           <a:p>
-            <a:pPr algn="ctr"/>
-            <a:endParaRPr lang="pt-BR"/>
+            <a:endParaRPr lang="pt-BR" dirty="0"/>
           </a:p>
         </p:txBody>
       </p:sp>
@@ -4941,6 +5176,90 @@
           <a:ln>
             <a:noFill/>
           </a:ln>
+        </p:spPr>
+      </p:pic>
+      <p:sp>
+        <p:nvSpPr>
+          <p:cNvPr id="5" name="CaixaDeTexto 4">
+            <a:extLst>
+              <a:ext uri="{FF2B5EF4-FFF2-40B4-BE49-F238E27FC236}">
+                <a16:creationId xmlns:a16="http://schemas.microsoft.com/office/drawing/2014/main" id="{36ACB567-746B-9DDA-307D-97A02CC217DD}"/>
+              </a:ext>
+            </a:extLst>
+          </p:cNvPr>
+          <p:cNvSpPr txBox="1"/>
+          <p:nvPr/>
+        </p:nvSpPr>
+        <p:spPr>
+          <a:xfrm>
+            <a:off x="8239292" y="2092534"/>
+            <a:ext cx="3603726" cy="3108543"/>
+          </a:xfrm>
+          <a:prstGeom prst="rect">
+            <a:avLst/>
+          </a:prstGeom>
+          <a:noFill/>
+        </p:spPr>
+        <p:txBody>
+          <a:bodyPr wrap="square">
+            <a:spAutoFit/>
+          </a:bodyPr>
+          <a:lstStyle/>
+          <a:p>
+            <a:pPr algn="r"/>
+            <a:r>
+              <a:rPr lang="pt-BR" altLang="pt-BR" sz="2800" dirty="0"/>
+              <a:t>O propósito é desenvolver um sistema personalizável que resolva as dificuldades do usuário na busca por uma alimentação adequada.</a:t>
+            </a:r>
+            <a:endParaRPr lang="pt-BR" sz="2800" dirty="0"/>
+          </a:p>
+        </p:txBody>
+      </p:sp>
+      <p:pic>
+        <p:nvPicPr>
+          <p:cNvPr id="2050" name="Picture 2" descr="A person weighing food on a scale and unsure which food to eat, the background of the image should be white">
+            <a:extLst>
+              <a:ext uri="{FF2B5EF4-FFF2-40B4-BE49-F238E27FC236}">
+                <a16:creationId xmlns:a16="http://schemas.microsoft.com/office/drawing/2014/main" id="{91BD9886-F458-4A17-230D-E77B358A2935}"/>
+              </a:ext>
+            </a:extLst>
+          </p:cNvPr>
+          <p:cNvPicPr>
+            <a:picLocks noChangeAspect="1" noChangeArrowheads="1"/>
+          </p:cNvPicPr>
+          <p:nvPr/>
+        </p:nvPicPr>
+        <p:blipFill>
+          <a:blip r:embed="rId4">
+            <a:extLst>
+              <a:ext uri="{28A0092B-C50C-407E-A947-70E740481C1C}">
+                <a14:useLocalDpi xmlns:a14="http://schemas.microsoft.com/office/drawing/2010/main" val="0"/>
+              </a:ext>
+            </a:extLst>
+          </a:blip>
+          <a:srcRect/>
+          <a:stretch>
+            <a:fillRect/>
+          </a:stretch>
+        </p:blipFill>
+        <p:spPr bwMode="auto">
+          <a:xfrm>
+            <a:off x="4039633" y="2003317"/>
+            <a:ext cx="3749053" cy="3785285"/>
+          </a:xfrm>
+          <a:prstGeom prst="rect">
+            <a:avLst/>
+          </a:prstGeom>
+          <a:noFill/>
+          <a:extLst>
+            <a:ext uri="{909E8E84-426E-40DD-AFC4-6F175D3DCCD1}">
+              <a14:hiddenFill xmlns:a14="http://schemas.microsoft.com/office/drawing/2010/main">
+                <a:solidFill>
+                  <a:srgbClr val="FFFFFF"/>
+                </a:solidFill>
+              </a14:hiddenFill>
+            </a:ext>
+          </a:extLst>
         </p:spPr>
       </p:pic>
     </p:spTree>
@@ -5001,7 +5320,7 @@
         </p:nvSpPr>
         <p:spPr>
           <a:xfrm>
-            <a:off x="628650" y="2849860"/>
+            <a:off x="630011" y="2561433"/>
             <a:ext cx="4810126" cy="2677656"/>
           </a:xfrm>
           <a:prstGeom prst="rect">
@@ -5041,7 +5360,7 @@
             </a:r>
             <a:r>
               <a:rPr lang="pt-BR" altLang="pt-BR" sz="2800" dirty="0"/>
-              <a:t>, proporcionando uma interface gráfica amigável. Adaptações no exercício inicial e customizações para detalhes nutricionais foram essenciais.</a:t>
+              <a:t>, proporcionando uma interface gráfica amigável. Adaptações no exercício inicial e as customizações nutricionais foram fundamentais.</a:t>
             </a:r>
           </a:p>
         </p:txBody>
@@ -5111,15 +5430,25 @@
         </p:nvSpPr>
         <p:spPr>
           <a:xfrm>
-            <a:off x="5791200" y="2273007"/>
-            <a:ext cx="5600700" cy="3831362"/>
+            <a:off x="5702883" y="2273007"/>
+            <a:ext cx="5689017" cy="3254509"/>
           </a:xfrm>
           <a:prstGeom prst="rect">
             <a:avLst/>
           </a:prstGeom>
-          <a:solidFill>
-            <a:schemeClr val="bg1"/>
-          </a:solidFill>
+          <a:blipFill dpi="0" rotWithShape="1">
+            <a:blip r:embed="rId3">
+              <a:extLst>
+                <a:ext uri="{28A0092B-C50C-407E-A947-70E740481C1C}">
+                  <a14:useLocalDpi xmlns:a14="http://schemas.microsoft.com/office/drawing/2010/main" val="0"/>
+                </a:ext>
+              </a:extLst>
+            </a:blip>
+            <a:srcRect/>
+            <a:stretch>
+              <a:fillRect/>
+            </a:stretch>
+          </a:blipFill>
           <a:ln w="19050">
             <a:solidFill>
               <a:srgbClr val="614AEB"/>
@@ -5173,7 +5502,7 @@
           <p:nvPr/>
         </p:nvPicPr>
         <p:blipFill>
-          <a:blip r:embed="rId3" cstate="print">
+          <a:blip r:embed="rId4" cstate="print">
             <a:extLst>
               <a:ext uri="{28A0092B-C50C-407E-A947-70E740481C1C}">
                 <a14:useLocalDpi xmlns:a14="http://schemas.microsoft.com/office/drawing/2010/main" val="0"/>
@@ -5257,8 +5586,8 @@
         </p:nvSpPr>
         <p:spPr>
           <a:xfrm>
-            <a:off x="7124700" y="1860629"/>
-            <a:ext cx="4229100" cy="3970318"/>
+            <a:off x="7038975" y="1995951"/>
+            <a:ext cx="4438650" cy="3108543"/>
           </a:xfrm>
           <a:prstGeom prst="rect">
             <a:avLst/>
@@ -5289,7 +5618,7 @@
             </a:pPr>
             <a:r>
               <a:rPr lang="pt-BR" altLang="pt-BR" sz="2800" dirty="0"/>
-              <a:t>Página Inicial: Configuração de Alimentos.</a:t>
+              <a:t>Página Inicial: Configuração.</a:t>
             </a:r>
           </a:p>
           <a:p>
@@ -5330,48 +5659,7 @@
             </a:pPr>
             <a:r>
               <a:rPr lang="pt-BR" altLang="pt-BR" sz="2800" dirty="0"/>
-              <a:t>Os usuários selecionam alimentos e quantidades desejadas.</a:t>
-            </a:r>
-          </a:p>
-          <a:p>
-            <a:pPr marL="0" marR="0" lvl="0" indent="0" algn="ctr" defTabSz="914400" rtl="0" eaLnBrk="0" fontAlgn="base" latinLnBrk="0" hangingPunct="0">
-              <a:lnSpc>
-                <a:spcPct val="100000"/>
-              </a:lnSpc>
-              <a:spcBef>
-                <a:spcPct val="0"/>
-              </a:spcBef>
-              <a:spcAft>
-                <a:spcPct val="0"/>
-              </a:spcAft>
-              <a:buClrTx/>
-              <a:buSzTx/>
-              <a:buFontTx/>
-              <a:buNone/>
-              <a:tabLst/>
-            </a:pPr>
-            <a:endParaRPr lang="pt-BR" altLang="pt-BR" sz="2800" dirty="0"/>
-          </a:p>
-          <a:p>
-            <a:pPr marL="0" marR="0" lvl="0" indent="0" algn="ctr" defTabSz="914400" rtl="0" eaLnBrk="0" fontAlgn="base" latinLnBrk="0" hangingPunct="0">
-              <a:lnSpc>
-                <a:spcPct val="100000"/>
-              </a:lnSpc>
-              <a:spcBef>
-                <a:spcPct val="0"/>
-              </a:spcBef>
-              <a:spcAft>
-                <a:spcPct val="0"/>
-              </a:spcAft>
-              <a:buClrTx/>
-              <a:buSzTx/>
-              <a:buFontTx/>
-              <a:buNone/>
-              <a:tabLst/>
-            </a:pPr>
-            <a:r>
-              <a:rPr lang="pt-BR" altLang="pt-BR" sz="2800" dirty="0"/>
-              <a:t>O botão "Calcular" inicia o Algoritmo Genético.</a:t>
+              <a:t>É nesta etapa que será realizada a personalização, o usuário escolhe o alimento, porcentagens e quantidades desejadas.</a:t>
             </a:r>
           </a:p>
         </p:txBody>
@@ -5390,8 +5678,8 @@
         </p:nvSpPr>
         <p:spPr>
           <a:xfrm>
-            <a:off x="1969748" y="515256"/>
-            <a:ext cx="8252504" cy="721480"/>
+            <a:off x="661024" y="515256"/>
+            <a:ext cx="10869952" cy="721480"/>
           </a:xfrm>
           <a:prstGeom prst="rect">
             <a:avLst/>
@@ -5422,43 +5710,85 @@
                 <a:ea typeface="Calibri" panose="020F0502020204030204" pitchFamily="34" charset="0"/>
                 <a:cs typeface="Times New Roman" panose="02020603050405020304" pitchFamily="18" charset="0"/>
               </a:rPr>
-              <a:t>APLICAÇÃO DO ALGORITMO </a:t>
-            </a:r>
-            <a:endParaRPr lang="pt-BR" sz="1600" dirty="0">
-              <a:solidFill>
-                <a:srgbClr val="614AEB"/>
-              </a:solidFill>
-              <a:effectLst/>
-              <a:latin typeface="Arial Black" panose="020B0A04020102020204" pitchFamily="34" charset="0"/>
-              <a:ea typeface="Calibri" panose="020F0502020204030204" pitchFamily="34" charset="0"/>
-              <a:cs typeface="Times New Roman" panose="02020603050405020304" pitchFamily="18" charset="0"/>
-            </a:endParaRPr>
-          </a:p>
-        </p:txBody>
-      </p:sp>
-      <p:sp>
-        <p:nvSpPr>
-          <p:cNvPr id="3" name="Retângulo 2">
-            <a:extLst>
-              <a:ext uri="{FF2B5EF4-FFF2-40B4-BE49-F238E27FC236}">
-                <a16:creationId xmlns:a16="http://schemas.microsoft.com/office/drawing/2014/main" id="{1B5AA6FF-18CD-095B-34A8-E0536BCC3BE2}"/>
-              </a:ext>
-            </a:extLst>
-          </p:cNvPr>
-          <p:cNvSpPr/>
+              <a:t>POSSIBILIDADE DE CONFIGURAÇÃO</a:t>
+            </a:r>
+          </a:p>
+        </p:txBody>
+      </p:sp>
+      <p:pic>
+        <p:nvPicPr>
+          <p:cNvPr id="4" name="Imagem 3" descr="Baixe o e-book de Guia completo de pós-graduações Unianchieta">
+            <a:extLst>
+              <a:ext uri="{FF2B5EF4-FFF2-40B4-BE49-F238E27FC236}">
+                <a16:creationId xmlns:a16="http://schemas.microsoft.com/office/drawing/2014/main" id="{1BD15860-B4A0-7AF3-AEB1-29B2E81450EE}"/>
+              </a:ext>
+            </a:extLst>
+          </p:cNvPr>
+          <p:cNvPicPr>
+            <a:picLocks noChangeAspect="1"/>
+          </p:cNvPicPr>
           <p:nvPr/>
-        </p:nvSpPr>
-        <p:spPr>
+        </p:nvPicPr>
+        <p:blipFill>
+          <a:blip r:embed="rId3" cstate="print">
+            <a:extLst>
+              <a:ext uri="{28A0092B-C50C-407E-A947-70E740481C1C}">
+                <a14:useLocalDpi xmlns:a14="http://schemas.microsoft.com/office/drawing/2010/main" val="0"/>
+              </a:ext>
+            </a:extLst>
+          </a:blip>
+          <a:srcRect/>
+          <a:stretch>
+            <a:fillRect/>
+          </a:stretch>
+        </p:blipFill>
+        <p:spPr bwMode="auto">
           <a:xfrm>
-            <a:off x="685800" y="1930107"/>
-            <a:ext cx="5600700" cy="3831362"/>
+            <a:off x="117022" y="6462317"/>
+            <a:ext cx="1025978" cy="317029"/>
           </a:xfrm>
           <a:prstGeom prst="rect">
             <a:avLst/>
           </a:prstGeom>
-          <a:solidFill>
-            <a:schemeClr val="bg1"/>
-          </a:solidFill>
+          <a:noFill/>
+          <a:ln>
+            <a:noFill/>
+          </a:ln>
+        </p:spPr>
+      </p:pic>
+      <p:sp>
+        <p:nvSpPr>
+          <p:cNvPr id="5" name="Retângulo 4">
+            <a:extLst>
+              <a:ext uri="{FF2B5EF4-FFF2-40B4-BE49-F238E27FC236}">
+                <a16:creationId xmlns:a16="http://schemas.microsoft.com/office/drawing/2014/main" id="{E109F260-35B8-8912-1598-E199C729CF78}"/>
+              </a:ext>
+            </a:extLst>
+          </p:cNvPr>
+          <p:cNvSpPr/>
+          <p:nvPr/>
+        </p:nvSpPr>
+        <p:spPr>
+          <a:xfrm>
+            <a:off x="714375" y="1860629"/>
+            <a:ext cx="5913099" cy="3282437"/>
+          </a:xfrm>
+          <a:prstGeom prst="rect">
+            <a:avLst/>
+          </a:prstGeom>
+          <a:blipFill dpi="0" rotWithShape="1">
+            <a:blip r:embed="rId4">
+              <a:extLst>
+                <a:ext uri="{28A0092B-C50C-407E-A947-70E740481C1C}">
+                  <a14:useLocalDpi xmlns:a14="http://schemas.microsoft.com/office/drawing/2010/main" val="0"/>
+                </a:ext>
+              </a:extLst>
+            </a:blip>
+            <a:srcRect/>
+            <a:stretch>
+              <a:fillRect l="-9345" t="-19288" r="-9633" b="-3325"/>
+            </a:stretch>
+          </a:blipFill>
           <a:ln w="19050">
             <a:solidFill>
               <a:srgbClr val="614AEB"/>
@@ -5497,47 +5827,57 @@
           </a:p>
         </p:txBody>
       </p:sp>
-      <p:pic>
-        <p:nvPicPr>
-          <p:cNvPr id="4" name="Imagem 3" descr="Baixe o e-book de Guia completo de pós-graduações Unianchieta">
-            <a:extLst>
-              <a:ext uri="{FF2B5EF4-FFF2-40B4-BE49-F238E27FC236}">
-                <a16:creationId xmlns:a16="http://schemas.microsoft.com/office/drawing/2014/main" id="{1BD15860-B4A0-7AF3-AEB1-29B2E81450EE}"/>
-              </a:ext>
-            </a:extLst>
-          </p:cNvPr>
-          <p:cNvPicPr>
-            <a:picLocks noChangeAspect="1"/>
-          </p:cNvPicPr>
+      <p:sp>
+        <p:nvSpPr>
+          <p:cNvPr id="8" name="CaixaDeTexto 7">
+            <a:extLst>
+              <a:ext uri="{FF2B5EF4-FFF2-40B4-BE49-F238E27FC236}">
+                <a16:creationId xmlns:a16="http://schemas.microsoft.com/office/drawing/2014/main" id="{049624C1-D404-3DB3-D728-74D625C87682}"/>
+              </a:ext>
+            </a:extLst>
+          </p:cNvPr>
+          <p:cNvSpPr txBox="1"/>
           <p:nvPr/>
-        </p:nvPicPr>
-        <p:blipFill>
-          <a:blip r:embed="rId3" cstate="print">
-            <a:extLst>
-              <a:ext uri="{28A0092B-C50C-407E-A947-70E740481C1C}">
-                <a14:useLocalDpi xmlns:a14="http://schemas.microsoft.com/office/drawing/2010/main" val="0"/>
-              </a:ext>
-            </a:extLst>
-          </a:blip>
-          <a:srcRect/>
-          <a:stretch>
-            <a:fillRect/>
-          </a:stretch>
-        </p:blipFill>
-        <p:spPr bwMode="auto">
+        </p:nvSpPr>
+        <p:spPr>
           <a:xfrm>
-            <a:off x="117022" y="6462317"/>
-            <a:ext cx="1025978" cy="317029"/>
+            <a:off x="2401887" y="5753743"/>
+            <a:ext cx="7388225" cy="523220"/>
           </a:xfrm>
           <a:prstGeom prst="rect">
             <a:avLst/>
           </a:prstGeom>
           <a:noFill/>
-          <a:ln>
-            <a:noFill/>
-          </a:ln>
         </p:spPr>
-      </p:pic>
+        <p:txBody>
+          <a:bodyPr wrap="square">
+            <a:spAutoFit/>
+          </a:bodyPr>
+          <a:lstStyle/>
+          <a:p>
+            <a:pPr marL="0" marR="0" lvl="0" indent="0" algn="ctr" defTabSz="914400" rtl="0" eaLnBrk="0" fontAlgn="base" latinLnBrk="0" hangingPunct="0">
+              <a:lnSpc>
+                <a:spcPct val="100000"/>
+              </a:lnSpc>
+              <a:spcBef>
+                <a:spcPct val="0"/>
+              </a:spcBef>
+              <a:spcAft>
+                <a:spcPct val="0"/>
+              </a:spcAft>
+              <a:buClrTx/>
+              <a:buSzTx/>
+              <a:buFontTx/>
+              <a:buNone/>
+              <a:tabLst/>
+            </a:pPr>
+            <a:r>
+              <a:rPr lang="pt-BR" altLang="pt-BR" sz="2800" dirty="0"/>
+              <a:t>O botão "Calcular" inicia o Algoritmo Genético.</a:t>
+            </a:r>
+          </a:p>
+        </p:txBody>
+      </p:sp>
     </p:spTree>
     <p:extLst>
       <p:ext uri="{BB962C8B-B14F-4D97-AF65-F5344CB8AC3E}">
@@ -5596,8 +5936,8 @@
         </p:nvSpPr>
         <p:spPr>
           <a:xfrm>
-            <a:off x="1777603" y="4758491"/>
-            <a:ext cx="8636794" cy="1815882"/>
+            <a:off x="1013492" y="4961691"/>
+            <a:ext cx="10165015" cy="1200329"/>
           </a:xfrm>
           <a:prstGeom prst="rect">
             <a:avLst/>
@@ -5648,7 +5988,7 @@
               <a:buNone/>
               <a:tabLst/>
             </a:pPr>
-            <a:endParaRPr lang="pt-BR" altLang="pt-BR" sz="2800" dirty="0"/>
+            <a:endParaRPr lang="pt-BR" altLang="pt-BR" sz="1600" dirty="0"/>
           </a:p>
           <a:p>
             <a:pPr marL="0" marR="0" lvl="0" indent="0" algn="ctr" defTabSz="914400" rtl="0" eaLnBrk="0" fontAlgn="base" latinLnBrk="0" hangingPunct="0">
@@ -5669,7 +6009,7 @@
             </a:pPr>
             <a:r>
               <a:rPr lang="pt-BR" altLang="pt-BR" sz="2800" dirty="0"/>
-              <a:t>Opções incluem "Histórico de Cálculos", "Conversão de Gramas" e "Novo Balanceamento".</a:t>
+              <a:t>Opções incluem “Ver histórico de cálculo" e "Novo Balanceamento".</a:t>
             </a:r>
           </a:p>
         </p:txBody>
@@ -5688,8 +6028,8 @@
         </p:nvSpPr>
         <p:spPr>
           <a:xfrm>
-            <a:off x="789612" y="515256"/>
-            <a:ext cx="10612777" cy="721480"/>
+            <a:off x="2795106" y="515256"/>
+            <a:ext cx="6601789" cy="721480"/>
           </a:xfrm>
           <a:prstGeom prst="rect">
             <a:avLst/>
@@ -5720,7 +6060,7 @@
                 <a:ea typeface="Calibri" panose="020F0502020204030204" pitchFamily="34" charset="0"/>
                 <a:cs typeface="Times New Roman" panose="02020603050405020304" pitchFamily="18" charset="0"/>
               </a:rPr>
-              <a:t>POSSIBILIDADE DE CONFIGURAÇÃO</a:t>
+              <a:t>AÇÃO DO ALGORITMO</a:t>
             </a:r>
           </a:p>
         </p:txBody>
@@ -5739,15 +6079,18 @@
         </p:nvSpPr>
         <p:spPr>
           <a:xfrm>
-            <a:off x="2851774" y="1599040"/>
-            <a:ext cx="6488452" cy="2797146"/>
+            <a:off x="2750317" y="1481330"/>
+            <a:ext cx="6691366" cy="3211857"/>
           </a:xfrm>
           <a:prstGeom prst="rect">
             <a:avLst/>
           </a:prstGeom>
-          <a:solidFill>
-            <a:schemeClr val="bg1"/>
-          </a:solidFill>
+          <a:blipFill>
+            <a:blip r:embed="rId3"/>
+            <a:stretch>
+              <a:fillRect/>
+            </a:stretch>
+          </a:blipFill>
           <a:ln w="19050">
             <a:solidFill>
               <a:srgbClr val="614AEB"/>
@@ -5801,7 +6144,7 @@
           <p:nvPr/>
         </p:nvPicPr>
         <p:blipFill>
-          <a:blip r:embed="rId3" cstate="print">
+          <a:blip r:embed="rId4" cstate="print">
             <a:extLst>
               <a:ext uri="{28A0092B-C50C-407E-A947-70E740481C1C}">
                 <a14:useLocalDpi xmlns:a14="http://schemas.microsoft.com/office/drawing/2010/main" val="0"/>
@@ -5936,7 +6279,7 @@
         </p:nvSpPr>
         <p:spPr>
           <a:xfrm>
-            <a:off x="1761162" y="293263"/>
+            <a:off x="1761161" y="441045"/>
             <a:ext cx="8669677" cy="721480"/>
           </a:xfrm>
           <a:prstGeom prst="rect">
@@ -5970,67 +6313,6 @@
               </a:rPr>
               <a:t>BENEFÍCIOS POTENCIAIS </a:t>
             </a:r>
-          </a:p>
-        </p:txBody>
-      </p:sp>
-      <p:sp>
-        <p:nvSpPr>
-          <p:cNvPr id="3" name="Retângulo 2">
-            <a:extLst>
-              <a:ext uri="{FF2B5EF4-FFF2-40B4-BE49-F238E27FC236}">
-                <a16:creationId xmlns:a16="http://schemas.microsoft.com/office/drawing/2014/main" id="{1B5AA6FF-18CD-095B-34A8-E0536BCC3BE2}"/>
-              </a:ext>
-            </a:extLst>
-          </p:cNvPr>
-          <p:cNvSpPr/>
-          <p:nvPr/>
-        </p:nvSpPr>
-        <p:spPr>
-          <a:xfrm>
-            <a:off x="5629275" y="2072982"/>
-            <a:ext cx="5600700" cy="3831362"/>
-          </a:xfrm>
-          <a:prstGeom prst="rect">
-            <a:avLst/>
-          </a:prstGeom>
-          <a:solidFill>
-            <a:schemeClr val="bg1"/>
-          </a:solidFill>
-          <a:ln w="19050">
-            <a:solidFill>
-              <a:srgbClr val="614AEB"/>
-            </a:solidFill>
-          </a:ln>
-          <a:effectLst>
-            <a:outerShdw blurRad="76200" dist="127000" dir="8100000" algn="tr" rotWithShape="0">
-              <a:prstClr val="black">
-                <a:alpha val="40000"/>
-              </a:prstClr>
-            </a:outerShdw>
-          </a:effectLst>
-        </p:spPr>
-        <p:style>
-          <a:lnRef idx="2">
-            <a:schemeClr val="accent1">
-              <a:shade val="50000"/>
-            </a:schemeClr>
-          </a:lnRef>
-          <a:fillRef idx="1">
-            <a:schemeClr val="accent1"/>
-          </a:fillRef>
-          <a:effectRef idx="0">
-            <a:schemeClr val="accent1"/>
-          </a:effectRef>
-          <a:fontRef idx="minor">
-            <a:schemeClr val="lt1"/>
-          </a:fontRef>
-        </p:style>
-        <p:txBody>
-          <a:bodyPr rtlCol="0" anchor="ctr"/>
-          <a:lstStyle/>
-          <a:p>
-            <a:pPr algn="ctr"/>
-            <a:endParaRPr lang="pt-BR"/>
           </a:p>
         </p:txBody>
       </p:sp>
@@ -6075,6 +6357,124 @@
           </a:ln>
         </p:spPr>
       </p:pic>
+      <p:grpSp>
+        <p:nvGrpSpPr>
+          <p:cNvPr id="8" name="Agrupar 7">
+            <a:extLst>
+              <a:ext uri="{FF2B5EF4-FFF2-40B4-BE49-F238E27FC236}">
+                <a16:creationId xmlns:a16="http://schemas.microsoft.com/office/drawing/2014/main" id="{2779440F-DCAF-0BC9-1D05-1B0DD7C61B65}"/>
+              </a:ext>
+            </a:extLst>
+          </p:cNvPr>
+          <p:cNvGrpSpPr/>
+          <p:nvPr/>
+        </p:nvGrpSpPr>
+        <p:grpSpPr>
+          <a:xfrm>
+            <a:off x="5546148" y="2036037"/>
+            <a:ext cx="5600700" cy="3512018"/>
+            <a:chOff x="5546148" y="2036037"/>
+            <a:chExt cx="5600700" cy="3512018"/>
+          </a:xfrm>
+        </p:grpSpPr>
+        <p:sp>
+          <p:nvSpPr>
+            <p:cNvPr id="3" name="Retângulo 2">
+              <a:extLst>
+                <a:ext uri="{FF2B5EF4-FFF2-40B4-BE49-F238E27FC236}">
+                  <a16:creationId xmlns:a16="http://schemas.microsoft.com/office/drawing/2014/main" id="{1B5AA6FF-18CD-095B-34A8-E0536BCC3BE2}"/>
+                </a:ext>
+              </a:extLst>
+            </p:cNvPr>
+            <p:cNvSpPr/>
+            <p:nvPr/>
+          </p:nvSpPr>
+          <p:spPr>
+            <a:xfrm>
+              <a:off x="5546148" y="2036037"/>
+              <a:ext cx="5600700" cy="3512018"/>
+            </a:xfrm>
+            <a:prstGeom prst="rect">
+              <a:avLst/>
+            </a:prstGeom>
+            <a:solidFill>
+              <a:schemeClr val="bg1"/>
+            </a:solidFill>
+            <a:ln w="19050">
+              <a:solidFill>
+                <a:srgbClr val="614AEB"/>
+              </a:solidFill>
+            </a:ln>
+            <a:effectLst>
+              <a:outerShdw blurRad="76200" dist="127000" dir="8100000" algn="tr" rotWithShape="0">
+                <a:prstClr val="black">
+                  <a:alpha val="40000"/>
+                </a:prstClr>
+              </a:outerShdw>
+            </a:effectLst>
+          </p:spPr>
+          <p:style>
+            <a:lnRef idx="2">
+              <a:schemeClr val="accent1">
+                <a:shade val="50000"/>
+              </a:schemeClr>
+            </a:lnRef>
+            <a:fillRef idx="1">
+              <a:schemeClr val="accent1"/>
+            </a:fillRef>
+            <a:effectRef idx="0">
+              <a:schemeClr val="accent1"/>
+            </a:effectRef>
+            <a:fontRef idx="minor">
+              <a:schemeClr val="lt1"/>
+            </a:fontRef>
+          </p:style>
+          <p:txBody>
+            <a:bodyPr rtlCol="0" anchor="ctr"/>
+            <a:lstStyle/>
+            <a:p>
+              <a:pPr algn="ctr"/>
+              <a:endParaRPr lang="pt-BR"/>
+            </a:p>
+          </p:txBody>
+        </p:sp>
+        <p:pic>
+          <p:nvPicPr>
+            <p:cNvPr id="6" name="Imagem 5">
+              <a:extLst>
+                <a:ext uri="{FF2B5EF4-FFF2-40B4-BE49-F238E27FC236}">
+                  <a16:creationId xmlns:a16="http://schemas.microsoft.com/office/drawing/2014/main" id="{5E71C9F3-DFDC-4984-1155-E2349F67FA8E}"/>
+                </a:ext>
+              </a:extLst>
+            </p:cNvPr>
+            <p:cNvPicPr>
+              <a:picLocks noChangeAspect="1"/>
+            </p:cNvPicPr>
+            <p:nvPr/>
+          </p:nvPicPr>
+          <p:blipFill>
+            <a:blip r:embed="rId4">
+              <a:extLst>
+                <a:ext uri="{28A0092B-C50C-407E-A947-70E740481C1C}">
+                  <a14:useLocalDpi xmlns:a14="http://schemas.microsoft.com/office/drawing/2010/main" val="0"/>
+                </a:ext>
+              </a:extLst>
+            </a:blip>
+            <a:stretch>
+              <a:fillRect/>
+            </a:stretch>
+          </p:blipFill>
+          <p:spPr>
+            <a:xfrm>
+              <a:off x="5546148" y="2036037"/>
+              <a:ext cx="5600700" cy="3512018"/>
+            </a:xfrm>
+            <a:prstGeom prst="rect">
+              <a:avLst/>
+            </a:prstGeom>
+          </p:spPr>
+        </p:pic>
+      </p:grpSp>
     </p:spTree>
     <p:extLst>
       <p:ext uri="{BB962C8B-B14F-4D97-AF65-F5344CB8AC3E}">
@@ -6093,9 +6493,17 @@
   <p:cSld>
     <p:bg>
       <p:bgPr>
-        <a:solidFill>
-          <a:schemeClr val="bg1"/>
-        </a:solidFill>
+        <a:gradFill>
+          <a:gsLst>
+            <a:gs pos="68000">
+              <a:schemeClr val="bg1"/>
+            </a:gs>
+            <a:gs pos="100000">
+              <a:srgbClr val="A7D5FF"/>
+            </a:gs>
+          </a:gsLst>
+          <a:lin ang="5400000" scaled="1"/>
+        </a:gradFill>
         <a:effectLst/>
       </p:bgPr>
     </p:bg>
@@ -6127,7 +6535,7 @@
         </p:nvSpPr>
         <p:spPr>
           <a:xfrm rot="10800000">
-            <a:off x="6968066" y="2428874"/>
+            <a:off x="6968067" y="2447347"/>
             <a:ext cx="5223933" cy="4429125"/>
           </a:xfrm>
           <a:custGeom>
